--- a/Pakhomov_CourseProject/Выступление/Презентация к курсовому проекту.pptx
+++ b/Pakhomov_CourseProject/Выступление/Презентация к курсовому проекту.pptx
@@ -252,7 +252,7 @@
           <a:p>
             <a:fld id="{29F4B57B-1444-4D1D-A91C-A41998AB2002}" type="datetimeFigureOut">
               <a:rPr lang="ru-RU" smtClean="0"/>
-              <a:t>19.11.2022</a:t>
+              <a:t>18.12.2022</a:t>
             </a:fld>
             <a:endParaRPr lang="ru-RU"/>
           </a:p>
@@ -420,7 +420,7 @@
           <a:p>
             <a:fld id="{29F4B57B-1444-4D1D-A91C-A41998AB2002}" type="datetimeFigureOut">
               <a:rPr lang="ru-RU" smtClean="0"/>
-              <a:t>19.11.2022</a:t>
+              <a:t>18.12.2022</a:t>
             </a:fld>
             <a:endParaRPr lang="ru-RU"/>
           </a:p>
@@ -598,7 +598,7 @@
           <a:p>
             <a:fld id="{29F4B57B-1444-4D1D-A91C-A41998AB2002}" type="datetimeFigureOut">
               <a:rPr lang="ru-RU" smtClean="0"/>
-              <a:t>19.11.2022</a:t>
+              <a:t>18.12.2022</a:t>
             </a:fld>
             <a:endParaRPr lang="ru-RU"/>
           </a:p>
@@ -766,7 +766,7 @@
           <a:p>
             <a:fld id="{29F4B57B-1444-4D1D-A91C-A41998AB2002}" type="datetimeFigureOut">
               <a:rPr lang="ru-RU" smtClean="0"/>
-              <a:t>19.11.2022</a:t>
+              <a:t>18.12.2022</a:t>
             </a:fld>
             <a:endParaRPr lang="ru-RU"/>
           </a:p>
@@ -1011,7 +1011,7 @@
           <a:p>
             <a:fld id="{29F4B57B-1444-4D1D-A91C-A41998AB2002}" type="datetimeFigureOut">
               <a:rPr lang="ru-RU" smtClean="0"/>
-              <a:t>19.11.2022</a:t>
+              <a:t>18.12.2022</a:t>
             </a:fld>
             <a:endParaRPr lang="ru-RU"/>
           </a:p>
@@ -1240,7 +1240,7 @@
           <a:p>
             <a:fld id="{29F4B57B-1444-4D1D-A91C-A41998AB2002}" type="datetimeFigureOut">
               <a:rPr lang="ru-RU" smtClean="0"/>
-              <a:t>19.11.2022</a:t>
+              <a:t>18.12.2022</a:t>
             </a:fld>
             <a:endParaRPr lang="ru-RU"/>
           </a:p>
@@ -1604,7 +1604,7 @@
           <a:p>
             <a:fld id="{29F4B57B-1444-4D1D-A91C-A41998AB2002}" type="datetimeFigureOut">
               <a:rPr lang="ru-RU" smtClean="0"/>
-              <a:t>19.11.2022</a:t>
+              <a:t>18.12.2022</a:t>
             </a:fld>
             <a:endParaRPr lang="ru-RU"/>
           </a:p>
@@ -1721,7 +1721,7 @@
           <a:p>
             <a:fld id="{29F4B57B-1444-4D1D-A91C-A41998AB2002}" type="datetimeFigureOut">
               <a:rPr lang="ru-RU" smtClean="0"/>
-              <a:t>19.11.2022</a:t>
+              <a:t>18.12.2022</a:t>
             </a:fld>
             <a:endParaRPr lang="ru-RU"/>
           </a:p>
@@ -1816,7 +1816,7 @@
           <a:p>
             <a:fld id="{29F4B57B-1444-4D1D-A91C-A41998AB2002}" type="datetimeFigureOut">
               <a:rPr lang="ru-RU" smtClean="0"/>
-              <a:t>19.11.2022</a:t>
+              <a:t>18.12.2022</a:t>
             </a:fld>
             <a:endParaRPr lang="ru-RU"/>
           </a:p>
@@ -2091,7 +2091,7 @@
           <a:p>
             <a:fld id="{29F4B57B-1444-4D1D-A91C-A41998AB2002}" type="datetimeFigureOut">
               <a:rPr lang="ru-RU" smtClean="0"/>
-              <a:t>19.11.2022</a:t>
+              <a:t>18.12.2022</a:t>
             </a:fld>
             <a:endParaRPr lang="ru-RU"/>
           </a:p>
@@ -2343,7 +2343,7 @@
           <a:p>
             <a:fld id="{29F4B57B-1444-4D1D-A91C-A41998AB2002}" type="datetimeFigureOut">
               <a:rPr lang="ru-RU" smtClean="0"/>
-              <a:t>19.11.2022</a:t>
+              <a:t>18.12.2022</a:t>
             </a:fld>
             <a:endParaRPr lang="ru-RU"/>
           </a:p>
@@ -2554,7 +2554,7 @@
           <a:p>
             <a:fld id="{29F4B57B-1444-4D1D-A91C-A41998AB2002}" type="datetimeFigureOut">
               <a:rPr lang="ru-RU" smtClean="0"/>
-              <a:t>19.11.2022</a:t>
+              <a:t>18.12.2022</a:t>
             </a:fld>
             <a:endParaRPr lang="ru-RU"/>
           </a:p>
@@ -3155,7 +3155,7 @@
           <a:p>
             <a:r>
               <a:rPr lang="ru-RU" dirty="0"/>
-              <a:t>Содержание документации</a:t>
+              <a:t>Технологическая документация проекта</a:t>
             </a:r>
           </a:p>
         </p:txBody>
@@ -3342,7 +3342,7 @@
         </p:nvSpPr>
         <p:spPr>
           <a:xfrm>
-            <a:off x="1524000" y="219252"/>
+            <a:off x="1524000" y="209420"/>
             <a:ext cx="9144000" cy="1259592"/>
           </a:xfrm>
         </p:spPr>

--- a/Pakhomov_CourseProject/Выступление/Презентация к курсовому проекту.pptx
+++ b/Pakhomov_CourseProject/Выступление/Презентация к курсовому проекту.pptx
@@ -11,12 +11,8 @@
     <p:sldId id="259" r:id="rId5"/>
     <p:sldId id="268" r:id="rId6"/>
     <p:sldId id="261" r:id="rId7"/>
-    <p:sldId id="260" r:id="rId8"/>
-    <p:sldId id="262" r:id="rId9"/>
-    <p:sldId id="263" r:id="rId10"/>
-    <p:sldId id="265" r:id="rId11"/>
-    <p:sldId id="266" r:id="rId12"/>
-    <p:sldId id="267" r:id="rId13"/>
+    <p:sldId id="266" r:id="rId8"/>
+    <p:sldId id="267" r:id="rId9"/>
   </p:sldIdLst>
   <p:sldSz cx="12192000" cy="6858000"/>
   <p:notesSz cx="6858000" cy="9144000"/>
@@ -252,7 +248,7 @@
           <a:p>
             <a:fld id="{29F4B57B-1444-4D1D-A91C-A41998AB2002}" type="datetimeFigureOut">
               <a:rPr lang="ru-RU" smtClean="0"/>
-              <a:t>18.12.2022</a:t>
+              <a:t>05.02.2023</a:t>
             </a:fld>
             <a:endParaRPr lang="ru-RU"/>
           </a:p>
@@ -420,7 +416,7 @@
           <a:p>
             <a:fld id="{29F4B57B-1444-4D1D-A91C-A41998AB2002}" type="datetimeFigureOut">
               <a:rPr lang="ru-RU" smtClean="0"/>
-              <a:t>18.12.2022</a:t>
+              <a:t>05.02.2023</a:t>
             </a:fld>
             <a:endParaRPr lang="ru-RU"/>
           </a:p>
@@ -598,7 +594,7 @@
           <a:p>
             <a:fld id="{29F4B57B-1444-4D1D-A91C-A41998AB2002}" type="datetimeFigureOut">
               <a:rPr lang="ru-RU" smtClean="0"/>
-              <a:t>18.12.2022</a:t>
+              <a:t>05.02.2023</a:t>
             </a:fld>
             <a:endParaRPr lang="ru-RU"/>
           </a:p>
@@ -766,7 +762,7 @@
           <a:p>
             <a:fld id="{29F4B57B-1444-4D1D-A91C-A41998AB2002}" type="datetimeFigureOut">
               <a:rPr lang="ru-RU" smtClean="0"/>
-              <a:t>18.12.2022</a:t>
+              <a:t>05.02.2023</a:t>
             </a:fld>
             <a:endParaRPr lang="ru-RU"/>
           </a:p>
@@ -1011,7 +1007,7 @@
           <a:p>
             <a:fld id="{29F4B57B-1444-4D1D-A91C-A41998AB2002}" type="datetimeFigureOut">
               <a:rPr lang="ru-RU" smtClean="0"/>
-              <a:t>18.12.2022</a:t>
+              <a:t>05.02.2023</a:t>
             </a:fld>
             <a:endParaRPr lang="ru-RU"/>
           </a:p>
@@ -1240,7 +1236,7 @@
           <a:p>
             <a:fld id="{29F4B57B-1444-4D1D-A91C-A41998AB2002}" type="datetimeFigureOut">
               <a:rPr lang="ru-RU" smtClean="0"/>
-              <a:t>18.12.2022</a:t>
+              <a:t>05.02.2023</a:t>
             </a:fld>
             <a:endParaRPr lang="ru-RU"/>
           </a:p>
@@ -1604,7 +1600,7 @@
           <a:p>
             <a:fld id="{29F4B57B-1444-4D1D-A91C-A41998AB2002}" type="datetimeFigureOut">
               <a:rPr lang="ru-RU" smtClean="0"/>
-              <a:t>18.12.2022</a:t>
+              <a:t>05.02.2023</a:t>
             </a:fld>
             <a:endParaRPr lang="ru-RU"/>
           </a:p>
@@ -1721,7 +1717,7 @@
           <a:p>
             <a:fld id="{29F4B57B-1444-4D1D-A91C-A41998AB2002}" type="datetimeFigureOut">
               <a:rPr lang="ru-RU" smtClean="0"/>
-              <a:t>18.12.2022</a:t>
+              <a:t>05.02.2023</a:t>
             </a:fld>
             <a:endParaRPr lang="ru-RU"/>
           </a:p>
@@ -1816,7 +1812,7 @@
           <a:p>
             <a:fld id="{29F4B57B-1444-4D1D-A91C-A41998AB2002}" type="datetimeFigureOut">
               <a:rPr lang="ru-RU" smtClean="0"/>
-              <a:t>18.12.2022</a:t>
+              <a:t>05.02.2023</a:t>
             </a:fld>
             <a:endParaRPr lang="ru-RU"/>
           </a:p>
@@ -2091,7 +2087,7 @@
           <a:p>
             <a:fld id="{29F4B57B-1444-4D1D-A91C-A41998AB2002}" type="datetimeFigureOut">
               <a:rPr lang="ru-RU" smtClean="0"/>
-              <a:t>18.12.2022</a:t>
+              <a:t>05.02.2023</a:t>
             </a:fld>
             <a:endParaRPr lang="ru-RU"/>
           </a:p>
@@ -2343,7 +2339,7 @@
           <a:p>
             <a:fld id="{29F4B57B-1444-4D1D-A91C-A41998AB2002}" type="datetimeFigureOut">
               <a:rPr lang="ru-RU" smtClean="0"/>
-              <a:t>18.12.2022</a:t>
+              <a:t>05.02.2023</a:t>
             </a:fld>
             <a:endParaRPr lang="ru-RU"/>
           </a:p>
@@ -2554,7 +2550,7 @@
           <a:p>
             <a:fld id="{29F4B57B-1444-4D1D-A91C-A41998AB2002}" type="datetimeFigureOut">
               <a:rPr lang="ru-RU" smtClean="0"/>
-              <a:t>18.12.2022</a:t>
+              <a:t>05.02.2023</a:t>
             </a:fld>
             <a:endParaRPr lang="ru-RU"/>
           </a:p>
@@ -3029,290 +3025,6 @@
 </p:sld>
 </file>
 
-<file path=ppt/slides/slide10.xml><?xml version="1.0" encoding="utf-8"?>
-<p:sld xmlns:a="http://schemas.openxmlformats.org/drawingml/2006/main" xmlns:r="http://schemas.openxmlformats.org/officeDocument/2006/relationships" xmlns:p="http://schemas.openxmlformats.org/presentationml/2006/main">
-  <p:cSld>
-    <p:spTree>
-      <p:nvGrpSpPr>
-        <p:cNvPr id="1" name=""/>
-        <p:cNvGrpSpPr/>
-        <p:nvPr/>
-      </p:nvGrpSpPr>
-      <p:grpSpPr>
-        <a:xfrm>
-          <a:off x="0" y="0"/>
-          <a:ext cx="0" cy="0"/>
-          <a:chOff x="0" y="0"/>
-          <a:chExt cx="0" cy="0"/>
-        </a:xfrm>
-      </p:grpSpPr>
-      <p:sp>
-        <p:nvSpPr>
-          <p:cNvPr id="2" name="Заголовок 1"/>
-          <p:cNvSpPr>
-            <a:spLocks noGrp="1"/>
-          </p:cNvSpPr>
-          <p:nvPr>
-            <p:ph type="title"/>
-          </p:nvPr>
-        </p:nvSpPr>
-        <p:spPr>
-          <a:xfrm>
-            <a:off x="838200" y="0"/>
-            <a:ext cx="10515600" cy="1325563"/>
-          </a:xfrm>
-        </p:spPr>
-        <p:txBody>
-          <a:bodyPr/>
-          <a:lstStyle/>
-          <a:p>
-            <a:r>
-              <a:rPr lang="ru-RU" dirty="0"/>
-              <a:t>Принудительное завершение игры</a:t>
-            </a:r>
-          </a:p>
-        </p:txBody>
-      </p:sp>
-      <p:pic>
-        <p:nvPicPr>
-          <p:cNvPr id="5" name="Рисунок 4">
-            <a:extLst>
-              <a:ext uri="{FF2B5EF4-FFF2-40B4-BE49-F238E27FC236}">
-                <a16:creationId xmlns:a16="http://schemas.microsoft.com/office/drawing/2014/main" id="{54F973D5-18D3-9BB7-882D-EEED9839BA21}"/>
-              </a:ext>
-            </a:extLst>
-          </p:cNvPr>
-          <p:cNvPicPr>
-            <a:picLocks noChangeAspect="1"/>
-          </p:cNvPicPr>
-          <p:nvPr/>
-        </p:nvPicPr>
-        <p:blipFill>
-          <a:blip r:embed="rId2"/>
-          <a:stretch>
-            <a:fillRect/>
-          </a:stretch>
-        </p:blipFill>
-        <p:spPr>
-          <a:xfrm>
-            <a:off x="3957075" y="1325562"/>
-            <a:ext cx="5296462" cy="5208587"/>
-          </a:xfrm>
-          <a:prstGeom prst="rect">
-            <a:avLst/>
-          </a:prstGeom>
-        </p:spPr>
-      </p:pic>
-    </p:spTree>
-    <p:extLst>
-      <p:ext uri="{BB962C8B-B14F-4D97-AF65-F5344CB8AC3E}">
-        <p14:creationId xmlns:p14="http://schemas.microsoft.com/office/powerpoint/2010/main" val="900927408"/>
-      </p:ext>
-    </p:extLst>
-  </p:cSld>
-  <p:clrMapOvr>
-    <a:masterClrMapping/>
-  </p:clrMapOvr>
-</p:sld>
-</file>
-
-<file path=ppt/slides/slide11.xml><?xml version="1.0" encoding="utf-8"?>
-<p:sld xmlns:a="http://schemas.openxmlformats.org/drawingml/2006/main" xmlns:r="http://schemas.openxmlformats.org/officeDocument/2006/relationships" xmlns:p="http://schemas.openxmlformats.org/presentationml/2006/main">
-  <p:cSld>
-    <p:spTree>
-      <p:nvGrpSpPr>
-        <p:cNvPr id="1" name=""/>
-        <p:cNvGrpSpPr/>
-        <p:nvPr/>
-      </p:nvGrpSpPr>
-      <p:grpSpPr>
-        <a:xfrm>
-          <a:off x="0" y="0"/>
-          <a:ext cx="0" cy="0"/>
-          <a:chOff x="0" y="0"/>
-          <a:chExt cx="0" cy="0"/>
-        </a:xfrm>
-      </p:grpSpPr>
-      <p:sp>
-        <p:nvSpPr>
-          <p:cNvPr id="2" name="Заголовок 1"/>
-          <p:cNvSpPr>
-            <a:spLocks noGrp="1"/>
-          </p:cNvSpPr>
-          <p:nvPr>
-            <p:ph type="title"/>
-          </p:nvPr>
-        </p:nvSpPr>
-        <p:spPr>
-          <a:xfrm>
-            <a:off x="838200" y="0"/>
-            <a:ext cx="10515600" cy="1325563"/>
-          </a:xfrm>
-        </p:spPr>
-        <p:txBody>
-          <a:bodyPr/>
-          <a:lstStyle/>
-          <a:p>
-            <a:r>
-              <a:rPr lang="ru-RU" dirty="0"/>
-              <a:t>Технологическая документация проекта</a:t>
-            </a:r>
-          </a:p>
-        </p:txBody>
-      </p:sp>
-      <p:sp>
-        <p:nvSpPr>
-          <p:cNvPr id="3" name="Объект 2"/>
-          <p:cNvSpPr>
-            <a:spLocks noGrp="1"/>
-          </p:cNvSpPr>
-          <p:nvPr>
-            <p:ph idx="1"/>
-          </p:nvPr>
-        </p:nvSpPr>
-        <p:spPr/>
-        <p:txBody>
-          <a:bodyPr/>
-          <a:lstStyle/>
-          <a:p>
-            <a:r>
-              <a:rPr lang="ru-RU" dirty="0"/>
-              <a:t>Отладка компонента</a:t>
-            </a:r>
-          </a:p>
-          <a:p>
-            <a:r>
-              <a:rPr lang="ru-RU" dirty="0"/>
-              <a:t>Инструкция по установке компонента</a:t>
-            </a:r>
-          </a:p>
-          <a:p>
-            <a:r>
-              <a:rPr lang="ru-RU" dirty="0"/>
-              <a:t>Инструкция по эксплуатации компонента</a:t>
-            </a:r>
-          </a:p>
-          <a:p>
-            <a:pPr marL="0" indent="0">
-              <a:buNone/>
-            </a:pPr>
-            <a:endParaRPr lang="ru-RU" dirty="0"/>
-          </a:p>
-        </p:txBody>
-      </p:sp>
-    </p:spTree>
-    <p:extLst>
-      <p:ext uri="{BB962C8B-B14F-4D97-AF65-F5344CB8AC3E}">
-        <p14:creationId xmlns:p14="http://schemas.microsoft.com/office/powerpoint/2010/main" val="2724603210"/>
-      </p:ext>
-    </p:extLst>
-  </p:cSld>
-  <p:clrMapOvr>
-    <a:masterClrMapping/>
-  </p:clrMapOvr>
-</p:sld>
-</file>
-
-<file path=ppt/slides/slide12.xml><?xml version="1.0" encoding="utf-8"?>
-<p:sld xmlns:a="http://schemas.openxmlformats.org/drawingml/2006/main" xmlns:r="http://schemas.openxmlformats.org/officeDocument/2006/relationships" xmlns:p="http://schemas.openxmlformats.org/presentationml/2006/main">
-  <p:cSld>
-    <p:spTree>
-      <p:nvGrpSpPr>
-        <p:cNvPr id="1" name=""/>
-        <p:cNvGrpSpPr/>
-        <p:nvPr/>
-      </p:nvGrpSpPr>
-      <p:grpSpPr>
-        <a:xfrm>
-          <a:off x="0" y="0"/>
-          <a:ext cx="0" cy="0"/>
-          <a:chOff x="0" y="0"/>
-          <a:chExt cx="0" cy="0"/>
-        </a:xfrm>
-      </p:grpSpPr>
-      <p:sp>
-        <p:nvSpPr>
-          <p:cNvPr id="2" name="Заголовок 1"/>
-          <p:cNvSpPr>
-            <a:spLocks noGrp="1"/>
-          </p:cNvSpPr>
-          <p:nvPr>
-            <p:ph type="title"/>
-          </p:nvPr>
-        </p:nvSpPr>
-        <p:spPr/>
-        <p:txBody>
-          <a:bodyPr/>
-          <a:lstStyle/>
-          <a:p>
-            <a:r>
-              <a:rPr lang="ru-RU" dirty="0"/>
-              <a:t>Достигнутые цели и задачи</a:t>
-            </a:r>
-          </a:p>
-        </p:txBody>
-      </p:sp>
-      <p:sp>
-        <p:nvSpPr>
-          <p:cNvPr id="3" name="Объект 2"/>
-          <p:cNvSpPr>
-            <a:spLocks noGrp="1"/>
-          </p:cNvSpPr>
-          <p:nvPr>
-            <p:ph idx="1"/>
-          </p:nvPr>
-        </p:nvSpPr>
-        <p:spPr/>
-        <p:txBody>
-          <a:bodyPr/>
-          <a:lstStyle/>
-          <a:p>
-            <a:r>
-              <a:rPr lang="ru-RU" dirty="0"/>
-              <a:t>Была разработана игра «</a:t>
-            </a:r>
-            <a:r>
-              <a:rPr lang="en-US" dirty="0" err="1"/>
-              <a:t>Arcanoid</a:t>
-            </a:r>
-            <a:r>
-              <a:rPr lang="ru-RU" dirty="0"/>
-              <a:t>» с помощью визуального компонента</a:t>
-            </a:r>
-          </a:p>
-          <a:p>
-            <a:r>
-              <a:rPr lang="ru-RU" dirty="0"/>
-              <a:t>Компонент является адаптивным</a:t>
-            </a:r>
-          </a:p>
-          <a:p>
-            <a:r>
-              <a:rPr lang="ru-RU" dirty="0"/>
-              <a:t>Реализовано удобное взаимодействие пользователя с компонентом</a:t>
-            </a:r>
-          </a:p>
-          <a:p>
-            <a:endParaRPr lang="ru-RU" dirty="0"/>
-          </a:p>
-          <a:p>
-            <a:endParaRPr lang="ru-RU" dirty="0"/>
-          </a:p>
-        </p:txBody>
-      </p:sp>
-    </p:spTree>
-    <p:extLst>
-      <p:ext uri="{BB962C8B-B14F-4D97-AF65-F5344CB8AC3E}">
-        <p14:creationId xmlns:p14="http://schemas.microsoft.com/office/powerpoint/2010/main" val="2139188012"/>
-      </p:ext>
-    </p:extLst>
-  </p:cSld>
-  <p:clrMapOvr>
-    <a:masterClrMapping/>
-  </p:clrMapOvr>
-</p:sld>
-</file>
-
 <file path=ppt/slides/slide2.xml><?xml version="1.0" encoding="utf-8"?>
 <p:sld xmlns:a="http://schemas.openxmlformats.org/drawingml/2006/main" xmlns:r="http://schemas.openxmlformats.org/officeDocument/2006/relationships" xmlns:p="http://schemas.openxmlformats.org/presentationml/2006/main">
   <p:cSld>
@@ -3867,45 +3579,55 @@
           <a:p>
             <a:r>
               <a:rPr lang="ru-RU" dirty="0"/>
-              <a:t>Варианты завершения игры</a:t>
-            </a:r>
-          </a:p>
-        </p:txBody>
-      </p:sp>
-      <p:pic>
-        <p:nvPicPr>
-          <p:cNvPr id="14" name="Рисунок 13">
-            <a:extLst>
-              <a:ext uri="{FF2B5EF4-FFF2-40B4-BE49-F238E27FC236}">
-                <a16:creationId xmlns:a16="http://schemas.microsoft.com/office/drawing/2014/main" id="{F7AC63B4-B842-8A6B-62EB-5E3EC42EA079}"/>
-              </a:ext>
-            </a:extLst>
-          </p:cNvPr>
-          <p:cNvPicPr>
-            <a:picLocks noChangeAspect="1"/>
-          </p:cNvPicPr>
-          <p:nvPr/>
-        </p:nvPicPr>
-        <p:blipFill>
-          <a:blip r:embed="rId2"/>
-          <a:stretch>
-            <a:fillRect/>
-          </a:stretch>
-        </p:blipFill>
-        <p:spPr>
-          <a:xfrm>
-            <a:off x="3452477" y="1325563"/>
-            <a:ext cx="5287046" cy="5199062"/>
-          </a:xfrm>
-          <a:prstGeom prst="rect">
-            <a:avLst/>
-          </a:prstGeom>
-        </p:spPr>
-      </p:pic>
+              <a:t>Технологическая документация проекта</a:t>
+            </a:r>
+          </a:p>
+        </p:txBody>
+      </p:sp>
+      <p:sp>
+        <p:nvSpPr>
+          <p:cNvPr id="3" name="Объект 2"/>
+          <p:cNvSpPr>
+            <a:spLocks noGrp="1"/>
+          </p:cNvSpPr>
+          <p:nvPr>
+            <p:ph idx="1"/>
+          </p:nvPr>
+        </p:nvSpPr>
+        <p:spPr/>
+        <p:txBody>
+          <a:bodyPr/>
+          <a:lstStyle/>
+          <a:p>
+            <a:r>
+              <a:rPr lang="ru-RU" dirty="0"/>
+              <a:t>Отладка компонента</a:t>
+            </a:r>
+          </a:p>
+          <a:p>
+            <a:r>
+              <a:rPr lang="ru-RU" dirty="0"/>
+              <a:t>Инструкция по установке компонента</a:t>
+            </a:r>
+          </a:p>
+          <a:p>
+            <a:r>
+              <a:rPr lang="ru-RU" dirty="0"/>
+              <a:t>Инструкция по эксплуатации компонента</a:t>
+            </a:r>
+          </a:p>
+          <a:p>
+            <a:pPr marL="0" indent="0">
+              <a:buNone/>
+            </a:pPr>
+            <a:endParaRPr lang="ru-RU" dirty="0"/>
+          </a:p>
+        </p:txBody>
+      </p:sp>
     </p:spTree>
     <p:extLst>
       <p:ext uri="{BB962C8B-B14F-4D97-AF65-F5344CB8AC3E}">
-        <p14:creationId xmlns:p14="http://schemas.microsoft.com/office/powerpoint/2010/main" val="2372967125"/>
+        <p14:creationId xmlns:p14="http://schemas.microsoft.com/office/powerpoint/2010/main" val="2724603210"/>
       </p:ext>
     </p:extLst>
   </p:cSld>
@@ -3942,144 +3664,70 @@
             <p:ph type="title"/>
           </p:nvPr>
         </p:nvSpPr>
-        <p:spPr>
-          <a:xfrm>
-            <a:off x="838200" y="0"/>
-            <a:ext cx="10515600" cy="1325563"/>
-          </a:xfrm>
-        </p:spPr>
+        <p:spPr/>
         <p:txBody>
           <a:bodyPr/>
           <a:lstStyle/>
           <a:p>
             <a:r>
               <a:rPr lang="ru-RU" dirty="0"/>
-              <a:t>Столкновение шара с платформой</a:t>
-            </a:r>
-          </a:p>
-        </p:txBody>
-      </p:sp>
-      <p:pic>
-        <p:nvPicPr>
-          <p:cNvPr id="9" name="Рисунок 8">
-            <a:extLst>
-              <a:ext uri="{FF2B5EF4-FFF2-40B4-BE49-F238E27FC236}">
-                <a16:creationId xmlns:a16="http://schemas.microsoft.com/office/drawing/2014/main" id="{D725BC1A-9F88-384B-CCBD-477AAA453D88}"/>
-              </a:ext>
-            </a:extLst>
-          </p:cNvPr>
-          <p:cNvPicPr>
-            <a:picLocks noChangeAspect="1"/>
-          </p:cNvPicPr>
-          <p:nvPr/>
-        </p:nvPicPr>
-        <p:blipFill>
-          <a:blip r:embed="rId2"/>
-          <a:stretch>
-            <a:fillRect/>
-          </a:stretch>
-        </p:blipFill>
-        <p:spPr>
-          <a:xfrm>
-            <a:off x="3963484" y="1325563"/>
-            <a:ext cx="5275766" cy="5203824"/>
-          </a:xfrm>
-          <a:prstGeom prst="rect">
-            <a:avLst/>
-          </a:prstGeom>
-        </p:spPr>
-      </p:pic>
+              <a:t>Достигнутые цели и задачи</a:t>
+            </a:r>
+          </a:p>
+        </p:txBody>
+      </p:sp>
+      <p:sp>
+        <p:nvSpPr>
+          <p:cNvPr id="3" name="Объект 2"/>
+          <p:cNvSpPr>
+            <a:spLocks noGrp="1"/>
+          </p:cNvSpPr>
+          <p:nvPr>
+            <p:ph idx="1"/>
+          </p:nvPr>
+        </p:nvSpPr>
+        <p:spPr/>
+        <p:txBody>
+          <a:bodyPr/>
+          <a:lstStyle/>
+          <a:p>
+            <a:r>
+              <a:rPr lang="ru-RU" dirty="0"/>
+              <a:t>Была разработана игра «</a:t>
+            </a:r>
+            <a:r>
+              <a:rPr lang="en-US" dirty="0" err="1"/>
+              <a:t>Arcanoid</a:t>
+            </a:r>
+            <a:r>
+              <a:rPr lang="ru-RU" dirty="0"/>
+              <a:t>» с помощью визуального компонента</a:t>
+            </a:r>
+          </a:p>
+          <a:p>
+            <a:r>
+              <a:rPr lang="ru-RU" dirty="0"/>
+              <a:t>Компонент является адаптивным</a:t>
+            </a:r>
+          </a:p>
+          <a:p>
+            <a:r>
+              <a:rPr lang="ru-RU" dirty="0"/>
+              <a:t>Реализовано удобное взаимодействие пользователя с компонентом</a:t>
+            </a:r>
+          </a:p>
+          <a:p>
+            <a:endParaRPr lang="ru-RU" dirty="0"/>
+          </a:p>
+          <a:p>
+            <a:endParaRPr lang="ru-RU" dirty="0"/>
+          </a:p>
+        </p:txBody>
+      </p:sp>
     </p:spTree>
     <p:extLst>
       <p:ext uri="{BB962C8B-B14F-4D97-AF65-F5344CB8AC3E}">
-        <p14:creationId xmlns:p14="http://schemas.microsoft.com/office/powerpoint/2010/main" val="4085286511"/>
-      </p:ext>
-    </p:extLst>
-  </p:cSld>
-  <p:clrMapOvr>
-    <a:masterClrMapping/>
-  </p:clrMapOvr>
-</p:sld>
-</file>
-
-<file path=ppt/slides/slide9.xml><?xml version="1.0" encoding="utf-8"?>
-<p:sld xmlns:a="http://schemas.openxmlformats.org/drawingml/2006/main" xmlns:r="http://schemas.openxmlformats.org/officeDocument/2006/relationships" xmlns:p="http://schemas.openxmlformats.org/presentationml/2006/main">
-  <p:cSld>
-    <p:spTree>
-      <p:nvGrpSpPr>
-        <p:cNvPr id="1" name=""/>
-        <p:cNvGrpSpPr/>
-        <p:nvPr/>
-      </p:nvGrpSpPr>
-      <p:grpSpPr>
-        <a:xfrm>
-          <a:off x="0" y="0"/>
-          <a:ext cx="0" cy="0"/>
-          <a:chOff x="0" y="0"/>
-          <a:chExt cx="0" cy="0"/>
-        </a:xfrm>
-      </p:grpSpPr>
-      <p:sp>
-        <p:nvSpPr>
-          <p:cNvPr id="2" name="Заголовок 1"/>
-          <p:cNvSpPr>
-            <a:spLocks noGrp="1"/>
-          </p:cNvSpPr>
-          <p:nvPr>
-            <p:ph type="title"/>
-          </p:nvPr>
-        </p:nvSpPr>
-        <p:spPr>
-          <a:xfrm>
-            <a:off x="838200" y="0"/>
-            <a:ext cx="10515600" cy="1325563"/>
-          </a:xfrm>
-        </p:spPr>
-        <p:txBody>
-          <a:bodyPr/>
-          <a:lstStyle/>
-          <a:p>
-            <a:r>
-              <a:rPr lang="ru-RU" dirty="0"/>
-              <a:t>Столкновение шара с границей карты</a:t>
-            </a:r>
-          </a:p>
-        </p:txBody>
-      </p:sp>
-      <p:pic>
-        <p:nvPicPr>
-          <p:cNvPr id="9" name="Рисунок 8">
-            <a:extLst>
-              <a:ext uri="{FF2B5EF4-FFF2-40B4-BE49-F238E27FC236}">
-                <a16:creationId xmlns:a16="http://schemas.microsoft.com/office/drawing/2014/main" id="{DF69F9BF-2E09-D282-C363-DBEB241FC466}"/>
-              </a:ext>
-            </a:extLst>
-          </p:cNvPr>
-          <p:cNvPicPr>
-            <a:picLocks noChangeAspect="1"/>
-          </p:cNvPicPr>
-          <p:nvPr/>
-        </p:nvPicPr>
-        <p:blipFill>
-          <a:blip r:embed="rId2"/>
-          <a:stretch>
-            <a:fillRect/>
-          </a:stretch>
-        </p:blipFill>
-        <p:spPr>
-          <a:xfrm>
-            <a:off x="3953909" y="1325563"/>
-            <a:ext cx="5309153" cy="5213349"/>
-          </a:xfrm>
-          <a:prstGeom prst="rect">
-            <a:avLst/>
-          </a:prstGeom>
-        </p:spPr>
-      </p:pic>
-    </p:spTree>
-    <p:extLst>
-      <p:ext uri="{BB962C8B-B14F-4D97-AF65-F5344CB8AC3E}">
-        <p14:creationId xmlns:p14="http://schemas.microsoft.com/office/powerpoint/2010/main" val="3166673359"/>
+        <p14:creationId xmlns:p14="http://schemas.microsoft.com/office/powerpoint/2010/main" val="2139188012"/>
       </p:ext>
     </p:extLst>
   </p:cSld>
